--- a/slides/Online/05 - Javadoc.pptx
+++ b/slides/Online/05 - Javadoc.pptx
@@ -5856,14 +5856,14 @@
   <p:clrMapOvr>
     <a:masterClrMapping/>
   </p:clrMapOvr>
-  <mc:AlternateContent xmlns:mc="http://schemas.openxmlformats.org/markup-compatibility/2006" xmlns:p14="http://schemas.microsoft.com/office/powerpoint/2010/main">
-    <mc:Choice Requires="p14">
-      <p:transition p14:dur="300">
+  <mc:AlternateContent xmlns:mc="http://schemas.openxmlformats.org/markup-compatibility/2006">
+    <mc:Choice xmlns:p14="http://schemas.microsoft.com/office/powerpoint/2010/main" Requires="p14">
+      <p:transition p14:dur="300" advTm="4119">
         <p:fade/>
       </p:transition>
     </mc:Choice>
-    <mc:Fallback xmlns="">
-      <p:transition>
+    <mc:Fallback>
+      <p:transition advTm="4119">
         <p:fade/>
       </p:transition>
     </mc:Fallback>
@@ -6018,14 +6018,14 @@
   <p:clrMapOvr>
     <a:masterClrMapping/>
   </p:clrMapOvr>
-  <mc:AlternateContent xmlns:mc="http://schemas.openxmlformats.org/markup-compatibility/2006" xmlns:p14="http://schemas.microsoft.com/office/powerpoint/2010/main">
-    <mc:Choice Requires="p14">
-      <p:transition p14:dur="300">
+  <mc:AlternateContent xmlns:mc="http://schemas.openxmlformats.org/markup-compatibility/2006">
+    <mc:Choice xmlns:p14="http://schemas.microsoft.com/office/powerpoint/2010/main" Requires="p14">
+      <p:transition p14:dur="300" advTm="69762">
         <p:fade/>
       </p:transition>
     </mc:Choice>
-    <mc:Fallback xmlns="">
-      <p:transition>
+    <mc:Fallback>
+      <p:transition advTm="69762">
         <p:fade/>
       </p:transition>
     </mc:Fallback>
@@ -6101,7 +6101,7 @@
         </p:nvSpPr>
         <p:spPr>
           <a:xfrm>
-            <a:off x="7585023" y="2125224"/>
+            <a:off x="7585023" y="2094684"/>
             <a:ext cx="6092185" cy="3583032"/>
           </a:xfrm>
         </p:spPr>
@@ -6186,13 +6186,13 @@
           <p:nvPr/>
         </p:nvPicPr>
         <p:blipFill rotWithShape="1">
-          <a:blip r:embed="rId2"/>
+          <a:blip r:embed="rId3"/>
           <a:srcRect r="26873"/>
           <a:stretch/>
         </p:blipFill>
         <p:spPr>
           <a:xfrm>
-            <a:off x="417748" y="1417319"/>
+            <a:off x="417748" y="1447300"/>
             <a:ext cx="7017373" cy="5795071"/>
           </a:xfrm>
           <a:prstGeom prst="rect">
@@ -6200,7 +6200,150 @@
           </a:prstGeom>
         </p:spPr>
       </p:pic>
+      <p:sp>
+        <p:nvSpPr>
+          <p:cNvPr id="6" name="&quot;Not Allowed&quot; Symbol 5">
+            <a:extLst>
+              <a:ext uri="{FF2B5EF4-FFF2-40B4-BE49-F238E27FC236}">
+                <a16:creationId xmlns:a16="http://schemas.microsoft.com/office/drawing/2014/main" id="{F425A821-863D-428D-A44C-044C7B0FDC93}"/>
+              </a:ext>
+            </a:extLst>
+          </p:cNvPr>
+          <p:cNvSpPr/>
+          <p:nvPr/>
+        </p:nvSpPr>
+        <p:spPr>
+          <a:xfrm>
+            <a:off x="567650" y="1826595"/>
+            <a:ext cx="1441032" cy="764498"/>
+          </a:xfrm>
+          <a:prstGeom prst="noSmoking">
+            <a:avLst/>
+          </a:prstGeom>
+          <a:solidFill>
+            <a:srgbClr val="FF0000"/>
+          </a:solidFill>
+          <a:ln>
+            <a:noFill/>
+          </a:ln>
+          <a:effectLst/>
+        </p:spPr>
+        <p:style>
+          <a:lnRef idx="1">
+            <a:schemeClr val="accent1"/>
+          </a:lnRef>
+          <a:fillRef idx="3">
+            <a:schemeClr val="accent1"/>
+          </a:fillRef>
+          <a:effectRef idx="2">
+            <a:schemeClr val="accent1"/>
+          </a:effectRef>
+          <a:fontRef idx="minor">
+            <a:schemeClr val="lt1"/>
+          </a:fontRef>
+        </p:style>
+        <p:txBody>
+          <a:bodyPr rtlCol="0" anchor="ctr"/>
+          <a:lstStyle/>
+          <a:p>
+            <a:pPr algn="ctr"/>
+            <a:endParaRPr lang="en-US">
+              <a:solidFill>
+                <a:schemeClr val="tx1"/>
+              </a:solidFill>
+            </a:endParaRPr>
+          </a:p>
+        </p:txBody>
+      </p:sp>
+      <p:cxnSp>
+        <p:nvCxnSpPr>
+          <p:cNvPr id="9" name="Straight Connector 8">
+            <a:extLst>
+              <a:ext uri="{FF2B5EF4-FFF2-40B4-BE49-F238E27FC236}">
+                <a16:creationId xmlns:a16="http://schemas.microsoft.com/office/drawing/2014/main" id="{E0548ACC-8FDA-411E-9A87-7F8B093B9642}"/>
+              </a:ext>
+            </a:extLst>
+          </p:cNvPr>
+          <p:cNvCxnSpPr/>
+          <p:nvPr/>
+        </p:nvCxnSpPr>
+        <p:spPr>
+          <a:xfrm>
+            <a:off x="567650" y="7060367"/>
+            <a:ext cx="3358784" cy="0"/>
+          </a:xfrm>
+          <a:prstGeom prst="line">
+            <a:avLst/>
+          </a:prstGeom>
+          <a:ln>
+            <a:solidFill>
+              <a:srgbClr val="FF0000"/>
+            </a:solidFill>
+          </a:ln>
+        </p:spPr>
+        <p:style>
+          <a:lnRef idx="2">
+            <a:schemeClr val="accent1"/>
+          </a:lnRef>
+          <a:fillRef idx="0">
+            <a:schemeClr val="accent1"/>
+          </a:fillRef>
+          <a:effectRef idx="1">
+            <a:schemeClr val="accent1"/>
+          </a:effectRef>
+          <a:fontRef idx="minor">
+            <a:schemeClr val="tx1"/>
+          </a:fontRef>
+        </p:style>
+      </p:cxnSp>
+      <p:sp>
+        <p:nvSpPr>
+          <p:cNvPr id="10" name="Right Brace 9">
+            <a:extLst>
+              <a:ext uri="{FF2B5EF4-FFF2-40B4-BE49-F238E27FC236}">
+                <a16:creationId xmlns:a16="http://schemas.microsoft.com/office/drawing/2014/main" id="{8EA1E345-ABE5-4FC3-9463-BBBA122015F0}"/>
+              </a:ext>
+            </a:extLst>
+          </p:cNvPr>
+          <p:cNvSpPr/>
+          <p:nvPr/>
+        </p:nvSpPr>
+        <p:spPr>
+          <a:xfrm>
+            <a:off x="7041771" y="5068969"/>
+            <a:ext cx="996563" cy="1783830"/>
+          </a:xfrm>
+          <a:prstGeom prst="rightBrace">
+            <a:avLst/>
+          </a:prstGeom>
+        </p:spPr>
+        <p:style>
+          <a:lnRef idx="2">
+            <a:schemeClr val="accent1"/>
+          </a:lnRef>
+          <a:fillRef idx="0">
+            <a:schemeClr val="accent1"/>
+          </a:fillRef>
+          <a:effectRef idx="1">
+            <a:schemeClr val="accent1"/>
+          </a:effectRef>
+          <a:fontRef idx="minor">
+            <a:schemeClr val="tx1"/>
+          </a:fontRef>
+        </p:style>
+        <p:txBody>
+          <a:bodyPr rtlCol="0" anchor="ctr"/>
+          <a:lstStyle/>
+          <a:p>
+            <a:pPr algn="ctr"/>
+            <a:endParaRPr lang="en-US"/>
+          </a:p>
+        </p:txBody>
+      </p:sp>
     </p:spTree>
+    <p:custDataLst>
+      <p:tags r:id="rId1"/>
+    </p:custDataLst>
     <p:extLst>
       <p:ext uri="{BB962C8B-B14F-4D97-AF65-F5344CB8AC3E}">
         <p14:creationId xmlns:p14="http://schemas.microsoft.com/office/powerpoint/2010/main" val="4162461939"/>
@@ -6210,18 +6353,211 @@
   <p:clrMapOvr>
     <a:masterClrMapping/>
   </p:clrMapOvr>
-  <mc:AlternateContent xmlns:mc="http://schemas.openxmlformats.org/markup-compatibility/2006" xmlns:p14="http://schemas.microsoft.com/office/powerpoint/2010/main">
-    <mc:Choice Requires="p14">
-      <p:transition p14:dur="300">
+  <mc:AlternateContent xmlns:mc="http://schemas.openxmlformats.org/markup-compatibility/2006">
+    <mc:Choice xmlns:p14="http://schemas.microsoft.com/office/powerpoint/2010/main" Requires="p14">
+      <p:transition p14:dur="300" advTm="86991">
         <p:fade/>
       </p:transition>
     </mc:Choice>
-    <mc:Fallback xmlns="">
-      <p:transition>
+    <mc:Fallback>
+      <p:transition advTm="86991">
         <p:fade/>
       </p:transition>
     </mc:Fallback>
   </mc:AlternateContent>
+  <p:timing>
+    <p:tnLst>
+      <p:par>
+        <p:cTn id="1" dur="indefinite" restart="never" nodeType="tmRoot">
+          <p:childTnLst>
+            <p:seq concurrent="1" nextAc="seek">
+              <p:cTn id="2" dur="indefinite" nodeType="mainSeq">
+                <p:childTnLst>
+                  <p:par>
+                    <p:cTn id="3" fill="hold">
+                      <p:stCondLst>
+                        <p:cond delay="indefinite"/>
+                      </p:stCondLst>
+                      <p:childTnLst>
+                        <p:par>
+                          <p:cTn id="4" fill="hold">
+                            <p:stCondLst>
+                              <p:cond delay="0"/>
+                            </p:stCondLst>
+                            <p:childTnLst>
+                              <p:par>
+                                <p:cTn id="5" presetID="22" presetClass="entr" presetSubtype="1" fill="hold" grpId="0" nodeType="clickEffect">
+                                  <p:stCondLst>
+                                    <p:cond delay="0"/>
+                                  </p:stCondLst>
+                                  <p:childTnLst>
+                                    <p:set>
+                                      <p:cBhvr>
+                                        <p:cTn id="6" dur="1" fill="hold">
+                                          <p:stCondLst>
+                                            <p:cond delay="0"/>
+                                          </p:stCondLst>
+                                        </p:cTn>
+                                        <p:tgtEl>
+                                          <p:spTgt spid="6"/>
+                                        </p:tgtEl>
+                                        <p:attrNameLst>
+                                          <p:attrName>style.visibility</p:attrName>
+                                        </p:attrNameLst>
+                                      </p:cBhvr>
+                                      <p:to>
+                                        <p:strVal val="visible"/>
+                                      </p:to>
+                                    </p:set>
+                                    <p:animEffect transition="in" filter="wipe(up)">
+                                      <p:cBhvr>
+                                        <p:cTn id="7" dur="500"/>
+                                        <p:tgtEl>
+                                          <p:spTgt spid="6"/>
+                                        </p:tgtEl>
+                                      </p:cBhvr>
+                                    </p:animEffect>
+                                  </p:childTnLst>
+                                </p:cTn>
+                              </p:par>
+                            </p:childTnLst>
+                          </p:cTn>
+                        </p:par>
+                      </p:childTnLst>
+                    </p:cTn>
+                  </p:par>
+                  <p:par>
+                    <p:cTn id="8" fill="hold">
+                      <p:stCondLst>
+                        <p:cond delay="indefinite"/>
+                      </p:stCondLst>
+                      <p:childTnLst>
+                        <p:par>
+                          <p:cTn id="9" fill="hold">
+                            <p:stCondLst>
+                              <p:cond delay="0"/>
+                            </p:stCondLst>
+                            <p:childTnLst>
+                              <p:par>
+                                <p:cTn id="10" presetID="22" presetClass="entr" presetSubtype="8" fill="hold" nodeType="clickEffect">
+                                  <p:stCondLst>
+                                    <p:cond delay="0"/>
+                                  </p:stCondLst>
+                                  <p:childTnLst>
+                                    <p:set>
+                                      <p:cBhvr>
+                                        <p:cTn id="11" dur="1" fill="hold">
+                                          <p:stCondLst>
+                                            <p:cond delay="0"/>
+                                          </p:stCondLst>
+                                        </p:cTn>
+                                        <p:tgtEl>
+                                          <p:spTgt spid="9"/>
+                                        </p:tgtEl>
+                                        <p:attrNameLst>
+                                          <p:attrName>style.visibility</p:attrName>
+                                        </p:attrNameLst>
+                                      </p:cBhvr>
+                                      <p:to>
+                                        <p:strVal val="visible"/>
+                                      </p:to>
+                                    </p:set>
+                                    <p:animEffect transition="in" filter="wipe(left)">
+                                      <p:cBhvr>
+                                        <p:cTn id="12" dur="500"/>
+                                        <p:tgtEl>
+                                          <p:spTgt spid="9"/>
+                                        </p:tgtEl>
+                                      </p:cBhvr>
+                                    </p:animEffect>
+                                  </p:childTnLst>
+                                </p:cTn>
+                              </p:par>
+                            </p:childTnLst>
+                          </p:cTn>
+                        </p:par>
+                      </p:childTnLst>
+                    </p:cTn>
+                  </p:par>
+                  <p:par>
+                    <p:cTn id="13" fill="hold">
+                      <p:stCondLst>
+                        <p:cond delay="indefinite"/>
+                      </p:stCondLst>
+                      <p:childTnLst>
+                        <p:par>
+                          <p:cTn id="14" fill="hold">
+                            <p:stCondLst>
+                              <p:cond delay="0"/>
+                            </p:stCondLst>
+                            <p:childTnLst>
+                              <p:par>
+                                <p:cTn id="15" presetID="22" presetClass="entr" presetSubtype="4" fill="hold" grpId="0" nodeType="clickEffect">
+                                  <p:stCondLst>
+                                    <p:cond delay="0"/>
+                                  </p:stCondLst>
+                                  <p:childTnLst>
+                                    <p:set>
+                                      <p:cBhvr>
+                                        <p:cTn id="16" dur="1" fill="hold">
+                                          <p:stCondLst>
+                                            <p:cond delay="0"/>
+                                          </p:stCondLst>
+                                        </p:cTn>
+                                        <p:tgtEl>
+                                          <p:spTgt spid="10"/>
+                                        </p:tgtEl>
+                                        <p:attrNameLst>
+                                          <p:attrName>style.visibility</p:attrName>
+                                        </p:attrNameLst>
+                                      </p:cBhvr>
+                                      <p:to>
+                                        <p:strVal val="visible"/>
+                                      </p:to>
+                                    </p:set>
+                                    <p:animEffect transition="in" filter="wipe(down)">
+                                      <p:cBhvr>
+                                        <p:cTn id="17" dur="500"/>
+                                        <p:tgtEl>
+                                          <p:spTgt spid="10"/>
+                                        </p:tgtEl>
+                                      </p:cBhvr>
+                                    </p:animEffect>
+                                  </p:childTnLst>
+                                </p:cTn>
+                              </p:par>
+                            </p:childTnLst>
+                          </p:cTn>
+                        </p:par>
+                      </p:childTnLst>
+                    </p:cTn>
+                  </p:par>
+                </p:childTnLst>
+              </p:cTn>
+              <p:prevCondLst>
+                <p:cond evt="onPrev" delay="0">
+                  <p:tgtEl>
+                    <p:sldTgt/>
+                  </p:tgtEl>
+                </p:cond>
+              </p:prevCondLst>
+              <p:nextCondLst>
+                <p:cond evt="onNext" delay="0">
+                  <p:tgtEl>
+                    <p:sldTgt/>
+                  </p:tgtEl>
+                </p:cond>
+              </p:nextCondLst>
+            </p:seq>
+          </p:childTnLst>
+        </p:cTn>
+      </p:par>
+    </p:tnLst>
+    <p:bldLst>
+      <p:bldP spid="6" grpId="0" animBg="1"/>
+      <p:bldP spid="10" grpId="0" animBg="1"/>
+    </p:bldLst>
+  </p:timing>
 </p:sld>
 </file>
 
@@ -6260,7 +6596,7 @@
         </p:nvSpPr>
         <p:spPr>
           <a:xfrm>
-            <a:off x="628073" y="335633"/>
+            <a:off x="328350" y="56796"/>
             <a:ext cx="12561453" cy="1015663"/>
           </a:xfrm>
         </p:spPr>
@@ -6293,8 +6629,8 @@
         </p:nvSpPr>
         <p:spPr>
           <a:xfrm>
-            <a:off x="8349519" y="1351296"/>
-            <a:ext cx="4840007" cy="5884944"/>
+            <a:off x="8349519" y="1072459"/>
+            <a:ext cx="5139731" cy="5140125"/>
           </a:xfrm>
         </p:spPr>
         <p:txBody>
@@ -6314,25 +6650,17 @@
             </a:r>
           </a:p>
           <a:p>
+            <a:r>
+              <a:rPr lang="en-US" dirty="0"/>
+              <a:t>Gives hints that we put in for building the method / what you need to do </a:t>
+            </a:r>
+          </a:p>
+          <a:p>
             <a:pPr lvl="1"/>
-            <a:endParaRPr lang="en-US" dirty="0"/>
-          </a:p>
-          <a:p>
-            <a:r>
-              <a:rPr lang="en-US" dirty="0"/>
-              <a:t>Gives hints that we put in for building the method / what you need to do </a:t>
-            </a:r>
-          </a:p>
-          <a:p>
-            <a:pPr lvl="1"/>
             <a:r>
               <a:rPr lang="en-US" dirty="0"/>
               <a:t>Suggestion: use comments and pseudocode based on those hints!</a:t>
             </a:r>
-          </a:p>
-          <a:p>
-            <a:pPr lvl="1"/>
-            <a:endParaRPr lang="en-US" dirty="0"/>
           </a:p>
           <a:p>
             <a:r>
@@ -6390,7 +6718,7 @@
         </p:blipFill>
         <p:spPr>
           <a:xfrm>
-            <a:off x="283380" y="1499854"/>
+            <a:off x="328350" y="1256175"/>
             <a:ext cx="8021169" cy="4772691"/>
           </a:xfrm>
           <a:prstGeom prst="rect">
@@ -6408,14 +6736,14 @@
   <p:clrMapOvr>
     <a:masterClrMapping/>
   </p:clrMapOvr>
-  <mc:AlternateContent xmlns:mc="http://schemas.openxmlformats.org/markup-compatibility/2006" xmlns:p14="http://schemas.microsoft.com/office/powerpoint/2010/main">
-    <mc:Choice Requires="p14">
-      <p:transition p14:dur="300">
+  <mc:AlternateContent xmlns:mc="http://schemas.openxmlformats.org/markup-compatibility/2006">
+    <mc:Choice xmlns:p14="http://schemas.microsoft.com/office/powerpoint/2010/main" Requires="p14">
+      <p:transition p14:dur="300" advTm="147131">
         <p:fade/>
       </p:transition>
     </mc:Choice>
-    <mc:Fallback xmlns="">
-      <p:transition>
+    <mc:Fallback>
+      <p:transition advTm="147131">
         <p:fade/>
       </p:transition>
     </mc:Fallback>
@@ -6942,14 +7270,14 @@
   <p:clrMapOvr>
     <a:masterClrMapping/>
   </p:clrMapOvr>
-  <mc:AlternateContent xmlns:mc="http://schemas.openxmlformats.org/markup-compatibility/2006" xmlns:p14="http://schemas.microsoft.com/office/powerpoint/2010/main">
-    <mc:Choice Requires="p14">
-      <p:transition p14:dur="300">
+  <mc:AlternateContent xmlns:mc="http://schemas.openxmlformats.org/markup-compatibility/2006">
+    <mc:Choice xmlns:p14="http://schemas.microsoft.com/office/powerpoint/2010/main" Requires="p14">
+      <p:transition p14:dur="300" advTm="190320">
         <p:fade/>
       </p:transition>
     </mc:Choice>
-    <mc:Fallback xmlns="">
-      <p:transition>
+    <mc:Fallback>
+      <p:transition advTm="190320">
         <p:fade/>
       </p:transition>
     </mc:Fallback>
@@ -7100,19 +7428,25 @@
   <p:clrMapOvr>
     <a:masterClrMapping/>
   </p:clrMapOvr>
-  <mc:AlternateContent xmlns:mc="http://schemas.openxmlformats.org/markup-compatibility/2006" xmlns:p14="http://schemas.microsoft.com/office/powerpoint/2010/main">
-    <mc:Choice Requires="p14">
-      <p:transition p14:dur="300">
+  <mc:AlternateContent xmlns:mc="http://schemas.openxmlformats.org/markup-compatibility/2006">
+    <mc:Choice xmlns:p14="http://schemas.microsoft.com/office/powerpoint/2010/main" Requires="p14">
+      <p:transition p14:dur="300" advTm="59231">
         <p:fade/>
       </p:transition>
     </mc:Choice>
-    <mc:Fallback xmlns="">
-      <p:transition>
+    <mc:Fallback>
+      <p:transition advTm="59231">
         <p:fade/>
       </p:transition>
     </mc:Fallback>
   </mc:AlternateContent>
 </p:sld>
+</file>
+
+<file path=ppt/tags/tag1.xml><?xml version="1.0" encoding="utf-8"?>
+<p:tagLst xmlns:a="http://schemas.openxmlformats.org/drawingml/2006/main" xmlns:r="http://schemas.openxmlformats.org/officeDocument/2006/relationships" xmlns:p="http://schemas.openxmlformats.org/presentationml/2006/main">
+  <p:tag name="TIMING" val="|32.8|4.6|6.3"/>
+</p:tagLst>
 </file>
 
 <file path=ppt/theme/theme1.xml><?xml version="1.0" encoding="utf-8"?>
